--- a/Folien - Trainerleitfaden/Einheit 19 PHP.pptx
+++ b/Folien - Trainerleitfaden/Einheit 19 PHP.pptx
@@ -233,7 +233,7 @@
               <a:rPr lang="de-AT" smtClean="0">
                 <a:latin typeface="Arial" panose="020B0604020202020204" pitchFamily="34" charset="0"/>
               </a:rPr>
-              <a:t>17.05.2021</a:t>
+              <a:t>18.05.2021</a:t>
             </a:fld>
             <a:endParaRPr lang="de-AT" dirty="0">
               <a:latin typeface="Arial" panose="020B0604020202020204" pitchFamily="34" charset="0"/>
@@ -7748,6 +7748,10 @@
             </a:lvl9pPr>
           </a:lstStyle>
           <a:p>
+            <a:pPr>
+              <a:buFont typeface="Arial" panose="020B0604020202020204" pitchFamily="34" charset="0"/>
+              <a:buChar char="•"/>
+            </a:pPr>
             <a:r>
               <a:rPr lang="de-AT" dirty="0"/>
               <a:t>Superglobale Variablen </a:t>
